--- a/시나리오/캐릭터 컨셉/캐릭터 설정/도래솔 설정 ver 1.pptx
+++ b/시나리오/캐릭터 컨셉/캐릭터 설정/도래솔 설정 ver 1.pptx
@@ -2,7 +2,7 @@
 <file path=ppt/presentation.xml><?xml version="1.0" encoding="utf-8"?>
 <p:presentation xmlns:r="http://schemas.openxmlformats.org/officeDocument/2006/relationships" xmlns:c="http://schemas.openxmlformats.org/drawingml/2006/chart" xmlns:a="http://schemas.openxmlformats.org/drawingml/2006/main" xmlns:dgm="http://schemas.openxmlformats.org/drawingml/2006/diagram" xmlns:dsp="http://schemas.microsoft.com/office/drawing/2008/diagram" xmlns:p="http://schemas.openxmlformats.org/presentationml/2006/main">
   <p:sldMasterIdLst>
-    <p:sldMasterId id="2147483838" r:id="rId1"/>
+    <p:sldMasterId id="2147483718" r:id="rId1"/>
   </p:sldMasterIdLst>
   <p:sldIdLst>
     <p:sldId id="256" r:id="rId2"/>
@@ -3841,46 +3841,48 @@
             </a:r>
             <a:r>
               <a:rPr lang="ko-KR" altLang="en-US" sz="2000"/>
-              <a:t> 자기에게 상담 온 학생을 바쁘다는 이유로 거절함</a:t>
+              <a:t> 자기에게 상담 온 학생에게 동감하며 </a:t>
+            </a:r>
+            <a:br>
+              <a:rPr lang="ko-KR" altLang="en-US" sz="2000"/>
+            </a:br>
+            <a:r>
+              <a:rPr lang="ko-KR" altLang="en-US" sz="2000"/>
+              <a:t>같이 학교 옥상에서 뛰어내리기로 약속함</a:t>
+            </a:r>
+            <a:br>
+              <a:rPr lang="ko-KR" altLang="en-US" sz="2000"/>
+            </a:br>
+            <a:endParaRPr lang="ko-KR" altLang="en-US" sz="2000"/>
+          </a:p>
+          <a:p>
+            <a:pPr>
+              <a:defRPr/>
+            </a:pPr>
+            <a:r>
+              <a:rPr lang="ko-KR" altLang="en-US" sz="2000"/>
+              <a:t>그날 밤</a:t>
+            </a:r>
+            <a:r>
+              <a:rPr lang="en-US" altLang="ko-KR" sz="2000"/>
+              <a:t>,</a:t>
+            </a:r>
+            <a:r>
+              <a:rPr lang="ko-KR" altLang="en-US" sz="2000"/>
+              <a:t> 같이 뛰어내리기로 했으나 도래솔이 멈칫한 사이 </a:t>
+            </a:r>
+            <a:br>
+              <a:rPr lang="ko-KR" altLang="en-US" sz="2000"/>
+            </a:br>
+            <a:r>
+              <a:rPr lang="ko-KR" altLang="en-US" sz="2000"/>
+              <a:t>학생이 먼저 뛰어내림</a:t>
             </a:r>
             <a:r>
               <a:rPr lang="en-US" altLang="ko-KR" sz="2000"/>
               <a:t>.</a:t>
             </a:r>
-            <a:r>
-              <a:rPr lang="ko-KR" altLang="en-US" sz="2000"/>
-              <a:t> </a:t>
-            </a:r>
-            <a:br>
-              <a:rPr lang="ko-KR" altLang="en-US" sz="2000"/>
-            </a:br>
-            <a:endParaRPr lang="ko-KR" altLang="en-US" sz="2000"/>
-          </a:p>
-          <a:p>
-            <a:pPr>
-              <a:defRPr/>
-            </a:pPr>
-            <a:r>
-              <a:rPr lang="ko-KR" altLang="en-US" sz="2000"/>
-              <a:t>그날 밤</a:t>
-            </a:r>
-            <a:r>
-              <a:rPr lang="en-US" altLang="ko-KR" sz="2000"/>
-              <a:t>,</a:t>
-            </a:r>
-            <a:r>
-              <a:rPr lang="ko-KR" altLang="en-US" sz="2000"/>
-              <a:t> 그 학생은 옥상에서 뛰어내려 식물인간이 됨</a:t>
-            </a:r>
-            <a:r>
-              <a:rPr lang="en-US" altLang="ko-KR" sz="2000"/>
-              <a:t>.</a:t>
-            </a:r>
-            <a:r>
-              <a:rPr lang="ko-KR" altLang="en-US" sz="2000"/>
-              <a:t>  </a:t>
-            </a:r>
-            <a:endParaRPr lang="ko-KR" altLang="en-US" sz="2000"/>
+            <a:endParaRPr lang="en-US" altLang="ko-KR" sz="2000"/>
           </a:p>
         </p:txBody>
       </p:sp>
@@ -3963,7 +3965,30 @@
             </a:pPr>
             <a:r>
               <a:rPr lang="ko-KR" altLang="en-US" sz="2000"/>
-              <a:t>병문안에 간 선생은 산소호흡기를 꽂은 채로</a:t>
+              <a:t>아래로 뛰어간 선생은 죽어가는 학생을 보며 깨달음</a:t>
+            </a:r>
+            <a:r>
+              <a:rPr lang="en-US" altLang="ko-KR" sz="2000"/>
+              <a:t>.</a:t>
+            </a:r>
+            <a:r>
+              <a:rPr lang="ko-KR" altLang="en-US" sz="2000"/>
+              <a:t> </a:t>
+            </a:r>
+            <a:br>
+              <a:rPr lang="ko-KR" altLang="en-US" sz="2000"/>
+            </a:br>
+            <a:r>
+              <a:rPr lang="ko-KR" altLang="en-US" sz="2000"/>
+              <a:t>난 쟤보다 행복하구나</a:t>
+            </a:r>
+            <a:r>
+              <a:rPr lang="en-US" altLang="ko-KR" sz="2000"/>
+              <a:t>.</a:t>
+            </a:r>
+            <a:r>
+              <a:rPr lang="ko-KR" altLang="en-US" sz="2000"/>
+              <a:t> 난 여기 살아서 숨을 쉬고 있는데</a:t>
             </a:r>
             <a:r>
               <a:rPr lang="en-US" altLang="ko-KR" sz="2000"/>
@@ -3971,7 +3996,7 @@
             </a:r>
             <a:r>
               <a:rPr lang="ko-KR" altLang="en-US" sz="2000"/>
-              <a:t> 붕대를 감은 학생을 보며 깨달음</a:t>
+              <a:t> 저 애는 죽어가</a:t>
             </a:r>
             <a:r>
               <a:rPr lang="en-US" altLang="ko-KR" sz="2000"/>
@@ -3986,7 +4011,7 @@
             </a:br>
             <a:r>
               <a:rPr lang="ko-KR" altLang="en-US" sz="2000"/>
-              <a:t>난 쟤보다 행복하구나</a:t>
+              <a:t>내 인생은 저 애보다는 망하지 않았어</a:t>
             </a:r>
             <a:r>
               <a:rPr lang="en-US" altLang="ko-KR" sz="2000"/>
@@ -3994,7 +4019,14 @@
             </a:r>
             <a:r>
               <a:rPr lang="ko-KR" altLang="en-US" sz="2000"/>
-              <a:t> 내 인생은 저 애보다는 망하지 않았어</a:t>
+              <a:t> </a:t>
+            </a:r>
+            <a:br>
+              <a:rPr lang="ko-KR" altLang="en-US" sz="2000"/>
+            </a:br>
+            <a:r>
+              <a:rPr lang="ko-KR" altLang="en-US" sz="2000"/>
+              <a:t>도래솔은 그걸로 살아갈 의지를 얻음</a:t>
             </a:r>
             <a:r>
               <a:rPr lang="en-US" altLang="ko-KR" sz="2000"/>
@@ -4018,7 +4050,7 @@
             </a:pPr>
             <a:r>
               <a:rPr lang="ko-KR" altLang="en-US" sz="2000"/>
-              <a:t>그제야 자기 삶의 기쁨</a:t>
+              <a:t>타인과의 비교를 통해 선생은 자기 삶의 기쁨</a:t>
             </a:r>
             <a:r>
               <a:rPr lang="en-US" altLang="ko-KR" sz="2000"/>
@@ -4026,7 +4058,7 @@
             </a:r>
             <a:r>
               <a:rPr lang="ko-KR" altLang="en-US" sz="2000"/>
-              <a:t> 행복을 깨달은 선생은 살아갈 의지를 얻음</a:t>
+              <a:t> 행복을 깨달음</a:t>
             </a:r>
             <a:r>
               <a:rPr lang="en-US" altLang="ko-KR" sz="2000"/>
